--- a/Later/Lambda/1.1/Java FunctionalInterface.pptx
+++ b/Later/Lambda/1.1/Java FunctionalInterface.pptx
@@ -3589,7 +3589,7 @@
         </p:blipFill>
         <p:spPr bwMode="auto">
           <a:xfrm>
-            <a:off x="603250" y="2572942"/>
+            <a:off x="603250" y="2440784"/>
             <a:ext cx="2638425" cy="819150"/>
           </a:xfrm>
           <a:prstGeom prst="rect">
@@ -3691,7 +3691,6 @@
               <a:rPr lang="en-US" sz="1200" dirty="0"/>
               <a:t>@FunctionalInterface</a:t>
             </a:r>
-            <a:endParaRPr lang="en-US" sz="1200" dirty="0"/>
           </a:p>
         </p:txBody>
       </p:sp>
@@ -3781,8 +3780,8 @@
         </p:nvSpPr>
         <p:spPr>
           <a:xfrm>
-            <a:off x="3838575" y="1905000"/>
-            <a:ext cx="4724400" cy="1219200"/>
+            <a:off x="3838575" y="1620442"/>
+            <a:ext cx="4724400" cy="1905000"/>
           </a:xfrm>
           <a:prstGeom prst="foldedCorner">
             <a:avLst/>
@@ -3889,6 +3888,55 @@
               <a:rPr lang="en-US" sz="1200" dirty="0" smtClean="0"/>
               <a:t>.</a:t>
             </a:r>
+          </a:p>
+          <a:p>
+            <a:pPr marL="285750" indent="-285750">
+              <a:buFont typeface="Wingdings" pitchFamily="2" charset="2"/>
+              <a:buChar char="ü"/>
+            </a:pPr>
+            <a:endParaRPr lang="en-US" sz="1200" dirty="0"/>
+          </a:p>
+          <a:p>
+            <a:pPr marL="285750" indent="-285750">
+              <a:buFont typeface="Wingdings" pitchFamily="2" charset="2"/>
+              <a:buChar char="ü"/>
+            </a:pPr>
+            <a:r>
+              <a:rPr lang="en-US" sz="1200" b="1" dirty="0">
+                <a:solidFill>
+                  <a:srgbClr val="C00000"/>
+                </a:solidFill>
+              </a:rPr>
+              <a:t>@</a:t>
+            </a:r>
+            <a:r>
+              <a:rPr lang="en-US" sz="1200" b="1" i="1" dirty="0" smtClean="0">
+                <a:solidFill>
+                  <a:srgbClr val="C00000"/>
+                </a:solidFill>
+              </a:rPr>
+              <a:t>FunctionalInterface</a:t>
+            </a:r>
+            <a:r>
+              <a:rPr lang="en-US" sz="1200" b="1" i="1" dirty="0" smtClean="0">
+                <a:solidFill>
+                  <a:srgbClr val="C00000"/>
+                </a:solidFill>
+              </a:rPr>
+              <a:t> </a:t>
+            </a:r>
+            <a:r>
+              <a:rPr lang="en-US" sz="1200" i="1" dirty="0" smtClean="0">
+                <a:solidFill>
+                  <a:schemeClr val="tx1"/>
+                </a:solidFill>
+              </a:rPr>
+              <a:t> annotation is completely optional. The java compiler does not require it for your lambda types. But it is good practice to add it.</a:t>
+            </a:r>
+            <a:r>
+              <a:rPr lang="en-US" sz="1200" dirty="0" smtClean="0"/>
+              <a:t/>
+            </a:r>
             <a:br>
               <a:rPr lang="en-US" sz="1200" dirty="0" smtClean="0"/>
             </a:br>
@@ -3913,7 +3961,7 @@
         </p:nvCxnSpPr>
         <p:spPr>
           <a:xfrm flipV="1">
-            <a:off x="3241675" y="2711055"/>
+            <a:off x="3241675" y="2578897"/>
             <a:ext cx="596900" cy="271462"/>
           </a:xfrm>
           <a:prstGeom prst="straightConnector1">
